--- a/4 Condtional statements.pptx
+++ b/4 Condtional statements.pptx
@@ -356,7 +356,7 @@
             <a:fld id="{C0EF2436-A120-44C6-8DEB-FB39AA37F16A}" type="datetimeFigureOut">
               <a:rPr lang="en-US" smtClean="0"/>
               <a:pPr/>
-              <a:t>3/22/2022</a:t>
+              <a:t>11/21/2023</a:t>
             </a:fld>
             <a:endParaRPr lang="en-US" dirty="0"/>
           </a:p>
@@ -521,7 +521,7 @@
             <a:fld id="{C0EF2436-A120-44C6-8DEB-FB39AA37F16A}" type="datetimeFigureOut">
               <a:rPr lang="en-US" smtClean="0"/>
               <a:pPr/>
-              <a:t>3/22/2022</a:t>
+              <a:t>11/21/2023</a:t>
             </a:fld>
             <a:endParaRPr lang="en-US" dirty="0"/>
           </a:p>
@@ -696,7 +696,7 @@
             <a:fld id="{C0EF2436-A120-44C6-8DEB-FB39AA37F16A}" type="datetimeFigureOut">
               <a:rPr lang="en-US" smtClean="0"/>
               <a:pPr/>
-              <a:t>3/22/2022</a:t>
+              <a:t>11/21/2023</a:t>
             </a:fld>
             <a:endParaRPr lang="en-US" dirty="0"/>
           </a:p>
@@ -861,7 +861,7 @@
             <a:fld id="{C0EF2436-A120-44C6-8DEB-FB39AA37F16A}" type="datetimeFigureOut">
               <a:rPr lang="en-US" smtClean="0"/>
               <a:pPr/>
-              <a:t>3/22/2022</a:t>
+              <a:t>11/21/2023</a:t>
             </a:fld>
             <a:endParaRPr lang="en-US" dirty="0"/>
           </a:p>
@@ -1103,7 +1103,7 @@
             <a:fld id="{C0EF2436-A120-44C6-8DEB-FB39AA37F16A}" type="datetimeFigureOut">
               <a:rPr lang="en-US" smtClean="0"/>
               <a:pPr/>
-              <a:t>3/22/2022</a:t>
+              <a:t>11/21/2023</a:t>
             </a:fld>
             <a:endParaRPr lang="en-US" dirty="0"/>
           </a:p>
@@ -1385,7 +1385,7 @@
             <a:fld id="{C0EF2436-A120-44C6-8DEB-FB39AA37F16A}" type="datetimeFigureOut">
               <a:rPr lang="en-US" smtClean="0"/>
               <a:pPr/>
-              <a:t>3/22/2022</a:t>
+              <a:t>11/21/2023</a:t>
             </a:fld>
             <a:endParaRPr lang="en-US" dirty="0"/>
           </a:p>
@@ -1801,7 +1801,7 @@
             <a:fld id="{C0EF2436-A120-44C6-8DEB-FB39AA37F16A}" type="datetimeFigureOut">
               <a:rPr lang="en-US" smtClean="0"/>
               <a:pPr/>
-              <a:t>3/22/2022</a:t>
+              <a:t>11/21/2023</a:t>
             </a:fld>
             <a:endParaRPr lang="en-US" dirty="0"/>
           </a:p>
@@ -1915,7 +1915,7 @@
             <a:fld id="{C0EF2436-A120-44C6-8DEB-FB39AA37F16A}" type="datetimeFigureOut">
               <a:rPr lang="en-US" smtClean="0"/>
               <a:pPr/>
-              <a:t>3/22/2022</a:t>
+              <a:t>11/21/2023</a:t>
             </a:fld>
             <a:endParaRPr lang="en-US" dirty="0"/>
           </a:p>
@@ -2007,7 +2007,7 @@
             <a:fld id="{C0EF2436-A120-44C6-8DEB-FB39AA37F16A}" type="datetimeFigureOut">
               <a:rPr lang="en-US" smtClean="0"/>
               <a:pPr/>
-              <a:t>3/22/2022</a:t>
+              <a:t>11/21/2023</a:t>
             </a:fld>
             <a:endParaRPr lang="en-US" dirty="0"/>
           </a:p>
@@ -2279,7 +2279,7 @@
             <a:fld id="{C0EF2436-A120-44C6-8DEB-FB39AA37F16A}" type="datetimeFigureOut">
               <a:rPr lang="en-US" smtClean="0"/>
               <a:pPr/>
-              <a:t>3/22/2022</a:t>
+              <a:t>11/21/2023</a:t>
             </a:fld>
             <a:endParaRPr lang="en-US" dirty="0"/>
           </a:p>
@@ -2531,7 +2531,7 @@
             <a:fld id="{C0EF2436-A120-44C6-8DEB-FB39AA37F16A}" type="datetimeFigureOut">
               <a:rPr lang="en-US" smtClean="0"/>
               <a:pPr/>
-              <a:t>3/22/2022</a:t>
+              <a:t>11/21/2023</a:t>
             </a:fld>
             <a:endParaRPr lang="en-US" dirty="0"/>
           </a:p>
@@ -2743,7 +2743,7 @@
             <a:fld id="{C0EF2436-A120-44C6-8DEB-FB39AA37F16A}" type="datetimeFigureOut">
               <a:rPr lang="en-US" smtClean="0"/>
               <a:pPr/>
-              <a:t>3/22/2022</a:t>
+              <a:t>11/21/2023</a:t>
             </a:fld>
             <a:endParaRPr lang="en-US" dirty="0"/>
           </a:p>
@@ -6872,7 +6872,7 @@
         </p:nvSpPr>
         <p:spPr>
           <a:xfrm>
-            <a:off x="576362" y="1484784"/>
+            <a:off x="576361" y="1195366"/>
             <a:ext cx="9952929" cy="4920778"/>
           </a:xfrm>
         </p:spPr>
@@ -10015,7 +10015,7 @@
         </p:nvSpPr>
         <p:spPr>
           <a:xfrm>
-            <a:off x="9017717" y="4722674"/>
+            <a:off x="9017717" y="4581128"/>
             <a:ext cx="1654450" cy="1754326"/>
           </a:xfrm>
           <a:prstGeom prst="rect">
